--- a/Docs/NEO Persistable Classes 2.1 Platform for Python v0.1.pptx
+++ b/Docs/NEO Persistable Classes 2.1 Platform for Python v0.1.pptx
@@ -5,10 +5,10 @@
     <p:sldMasterId id="2147483648" r:id="rId1"/>
   </p:sldMasterIdLst>
   <p:notesMasterIdLst>
-    <p:notesMasterId r:id="rId10"/>
+    <p:notesMasterId r:id="rId11"/>
   </p:notesMasterIdLst>
   <p:handoutMasterIdLst>
-    <p:handoutMasterId r:id="rId11"/>
+    <p:handoutMasterId r:id="rId12"/>
   </p:handoutMasterIdLst>
   <p:sldIdLst>
     <p:sldId id="325" r:id="rId2"/>
@@ -18,7 +18,8 @@
     <p:sldId id="502" r:id="rId6"/>
     <p:sldId id="503" r:id="rId7"/>
     <p:sldId id="504" r:id="rId8"/>
-    <p:sldId id="263" r:id="rId9"/>
+    <p:sldId id="506" r:id="rId9"/>
+    <p:sldId id="263" r:id="rId10"/>
   </p:sldIdLst>
   <p:sldSz cx="12192000" cy="6858000"/>
   <p:notesSz cx="7315200" cy="9601200"/>
@@ -219,7 +220,7 @@
           <a:p>
             <a:fld id="{D19C049C-AD74-4BD7-BD07-6672DC6C2EEA}" type="datetimeFigureOut">
               <a:rPr lang="en-CA" smtClean="0"/>
-              <a:t>2018-04-13</a:t>
+              <a:t>2018-04-14</a:t>
             </a:fld>
             <a:endParaRPr lang="en-CA" dirty="0"/>
           </a:p>
@@ -396,7 +397,7 @@
           <a:p>
             <a:fld id="{8C96CAC6-5EE5-4DF8-BED8-337C55BC9982}" type="datetimeFigureOut">
               <a:rPr lang="en-CA" smtClean="0"/>
-              <a:t>2018-04-13</a:t>
+              <a:t>2018-04-14</a:t>
             </a:fld>
             <a:endParaRPr lang="en-CA" dirty="0"/>
           </a:p>
@@ -1386,7 +1387,7 @@
           <a:p>
             <a:fld id="{A2B20E1F-0A15-4BB0-BD15-FD77A2412870}" type="datetime1">
               <a:rPr lang="en-US" smtClean="0"/>
-              <a:t>4/13/2018</a:t>
+              <a:t>4/14/2018</a:t>
             </a:fld>
             <a:endParaRPr lang="en-US" dirty="0"/>
           </a:p>
@@ -1641,7 +1642,7 @@
           <a:p>
             <a:fld id="{64E26284-5FCB-4426-8E30-8883325927D9}" type="datetime1">
               <a:rPr lang="en-US" smtClean="0"/>
-              <a:t>4/13/2018</a:t>
+              <a:t>4/14/2018</a:t>
             </a:fld>
             <a:endParaRPr lang="en-US" dirty="0"/>
           </a:p>
@@ -1954,7 +1955,7 @@
           <a:p>
             <a:fld id="{4EA89ACF-6C43-4434-8CB5-D5B48F717286}" type="datetime1">
               <a:rPr lang="en-US" smtClean="0"/>
-              <a:t>4/13/2018</a:t>
+              <a:t>4/14/2018</a:t>
             </a:fld>
             <a:endParaRPr lang="en-US" dirty="0"/>
           </a:p>
@@ -2294,7 +2295,7 @@
           <a:p>
             <a:fld id="{50939672-9E23-46FE-B292-02208E2F39C6}" type="datetime1">
               <a:rPr lang="en-US" smtClean="0"/>
-              <a:t>4/13/2018</a:t>
+              <a:t>4/14/2018</a:t>
             </a:fld>
             <a:endParaRPr lang="en-US" dirty="0"/>
           </a:p>
@@ -2607,7 +2608,7 @@
           <a:p>
             <a:fld id="{991B7FFF-E08B-46FF-90AE-114528A4CA06}" type="datetime1">
               <a:rPr lang="en-US" smtClean="0"/>
-              <a:t>4/13/2018</a:t>
+              <a:t>4/14/2018</a:t>
             </a:fld>
             <a:endParaRPr lang="en-US" dirty="0"/>
           </a:p>
@@ -2999,7 +3000,7 @@
           <a:p>
             <a:fld id="{B803E549-7A70-4DF0-8722-7B76AF18A454}" type="datetime1">
               <a:rPr lang="en-US" smtClean="0"/>
-              <a:t>4/13/2018</a:t>
+              <a:t>4/14/2018</a:t>
             </a:fld>
             <a:endParaRPr lang="en-US" dirty="0"/>
           </a:p>
@@ -3168,7 +3169,7 @@
           <a:p>
             <a:fld id="{DA4E4F73-4CFA-43AA-85C2-E13125E22CED}" type="datetime1">
               <a:rPr lang="en-US" smtClean="0"/>
-              <a:t>4/13/2018</a:t>
+              <a:t>4/14/2018</a:t>
             </a:fld>
             <a:endParaRPr lang="en-US" dirty="0"/>
           </a:p>
@@ -3346,7 +3347,7 @@
           <a:p>
             <a:fld id="{063B8A5C-2BB7-48AC-A7D9-03376BA8563B}" type="datetime1">
               <a:rPr lang="en-US" smtClean="0"/>
-              <a:t>4/13/2018</a:t>
+              <a:t>4/14/2018</a:t>
             </a:fld>
             <a:endParaRPr lang="en-US" dirty="0"/>
           </a:p>
@@ -3531,7 +3532,7 @@
           <a:p>
             <a:fld id="{F26FC8F0-338D-4D8D-A227-FA2647F0F8AF}" type="datetime1">
               <a:rPr lang="en-US" smtClean="0"/>
-              <a:t>4/13/2018</a:t>
+              <a:t>4/14/2018</a:t>
             </a:fld>
             <a:endParaRPr lang="en-US" dirty="0"/>
           </a:p>
@@ -3781,7 +3782,7 @@
           <a:p>
             <a:fld id="{3E229757-E524-48DE-8431-5E28D336F244}" type="datetime1">
               <a:rPr lang="en-US" smtClean="0"/>
-              <a:t>4/13/2018</a:t>
+              <a:t>4/14/2018</a:t>
             </a:fld>
             <a:endParaRPr lang="en-US" dirty="0"/>
           </a:p>
@@ -4012,7 +4013,7 @@
           <a:p>
             <a:fld id="{E47FACCD-415D-461F-A83B-FA79804F656D}" type="datetime1">
               <a:rPr lang="en-US" smtClean="0"/>
-              <a:t>4/13/2018</a:t>
+              <a:t>4/14/2018</a:t>
             </a:fld>
             <a:endParaRPr lang="en-US" dirty="0"/>
           </a:p>
@@ -4384,7 +4385,7 @@
           <a:p>
             <a:fld id="{F73DFB48-D3D9-4779-B20A-1E904A125FD3}" type="datetime1">
               <a:rPr lang="en-US" smtClean="0"/>
-              <a:t>4/13/2018</a:t>
+              <a:t>4/14/2018</a:t>
             </a:fld>
             <a:endParaRPr lang="en-US" dirty="0"/>
           </a:p>
@@ -4506,7 +4507,7 @@
           <a:p>
             <a:fld id="{44AB30DC-B16B-4253-B4A3-00AC9B41F11F}" type="datetime1">
               <a:rPr lang="en-US" smtClean="0"/>
-              <a:t>4/13/2018</a:t>
+              <a:t>4/14/2018</a:t>
             </a:fld>
             <a:endParaRPr lang="en-US" dirty="0"/>
           </a:p>
@@ -4600,7 +4601,7 @@
           <a:p>
             <a:fld id="{C630A207-09EF-4BD6-9E7F-700F61C7193C}" type="datetime1">
               <a:rPr lang="en-US" smtClean="0"/>
-              <a:t>4/13/2018</a:t>
+              <a:t>4/14/2018</a:t>
             </a:fld>
             <a:endParaRPr lang="en-US" dirty="0"/>
           </a:p>
@@ -4854,7 +4855,7 @@
           <a:p>
             <a:fld id="{0BA25DF4-2191-4BA7-85B6-CEBB9D9AC675}" type="datetime1">
               <a:rPr lang="en-US" smtClean="0"/>
-              <a:t>4/13/2018</a:t>
+              <a:t>4/14/2018</a:t>
             </a:fld>
             <a:endParaRPr lang="en-US" dirty="0"/>
           </a:p>
@@ -5114,7 +5115,7 @@
           <a:p>
             <a:fld id="{A41DAEF6-B6ED-4991-B5F5-7CD018A33D8D}" type="datetime1">
               <a:rPr lang="en-US" smtClean="0"/>
-              <a:t>4/13/2018</a:t>
+              <a:t>4/14/2018</a:t>
             </a:fld>
             <a:endParaRPr lang="en-US" dirty="0"/>
           </a:p>
@@ -5856,7 +5857,7 @@
           <a:p>
             <a:fld id="{203A180D-7C5B-4034-B781-A718AFADC04B}" type="datetime1">
               <a:rPr lang="en-US" smtClean="0"/>
-              <a:t>4/13/2018</a:t>
+              <a:t>4/14/2018</a:t>
             </a:fld>
             <a:endParaRPr lang="en-US" dirty="0"/>
           </a:p>
@@ -7140,7 +7141,7 @@
           <a:p>
             <a:fld id="{44AB30DC-B16B-4253-B4A3-00AC9B41F11F}" type="datetime1">
               <a:rPr lang="en-US" smtClean="0"/>
-              <a:t>4/13/2018</a:t>
+              <a:t>4/14/2018</a:t>
             </a:fld>
             <a:endParaRPr lang="en-US" dirty="0"/>
           </a:p>
@@ -7709,7 +7710,7 @@
           <a:p>
             <a:fld id="{44AB30DC-B16B-4253-B4A3-00AC9B41F11F}" type="datetime1">
               <a:rPr lang="en-US" smtClean="0"/>
-              <a:t>4/13/2018</a:t>
+              <a:t>4/14/2018</a:t>
             </a:fld>
             <a:endParaRPr lang="en-US" dirty="0"/>
           </a:p>
@@ -7908,7 +7909,7 @@
           <a:p>
             <a:fld id="{44AB30DC-B16B-4253-B4A3-00AC9B41F11F}" type="datetime1">
               <a:rPr lang="en-US" smtClean="0"/>
-              <a:t>4/13/2018</a:t>
+              <a:t>4/14/2018</a:t>
             </a:fld>
             <a:endParaRPr lang="en-US" dirty="0"/>
           </a:p>
@@ -8187,7 +8188,7 @@
           <a:p>
             <a:fld id="{44AB30DC-B16B-4253-B4A3-00AC9B41F11F}" type="datetime1">
               <a:rPr lang="en-US" smtClean="0"/>
-              <a:t>4/13/2018</a:t>
+              <a:t>4/14/2018</a:t>
             </a:fld>
             <a:endParaRPr lang="en-US" dirty="0"/>
           </a:p>
@@ -8296,6 +8297,223 @@
 </file>
 
 <file path=ppt/slides/slide8.xml><?xml version="1.0" encoding="utf-8"?>
+<p:sld xmlns:a="http://schemas.openxmlformats.org/drawingml/2006/main" xmlns:r="http://schemas.openxmlformats.org/officeDocument/2006/relationships" xmlns:p="http://schemas.openxmlformats.org/presentationml/2006/main">
+  <p:cSld>
+    <p:spTree>
+      <p:nvGrpSpPr>
+        <p:cNvPr id="1" name=""/>
+        <p:cNvGrpSpPr/>
+        <p:nvPr/>
+      </p:nvGrpSpPr>
+      <p:grpSpPr>
+        <a:xfrm>
+          <a:off x="0" y="0"/>
+          <a:ext cx="0" cy="0"/>
+          <a:chOff x="0" y="0"/>
+          <a:chExt cx="0" cy="0"/>
+        </a:xfrm>
+      </p:grpSpPr>
+      <p:sp>
+        <p:nvSpPr>
+          <p:cNvPr id="2" name="Title 1">
+            <a:extLst>
+              <a:ext uri="{FF2B5EF4-FFF2-40B4-BE49-F238E27FC236}">
+                <a16:creationId xmlns:a16="http://schemas.microsoft.com/office/drawing/2014/main" id="{D690D432-6166-4D6A-B6CC-4AD6878FD3A5}"/>
+              </a:ext>
+            </a:extLst>
+          </p:cNvPr>
+          <p:cNvSpPr>
+            <a:spLocks noGrp="1"/>
+          </p:cNvSpPr>
+          <p:nvPr>
+            <p:ph type="title"/>
+          </p:nvPr>
+        </p:nvSpPr>
+        <p:spPr>
+          <a:xfrm>
+            <a:off x="677334" y="609600"/>
+            <a:ext cx="11429322" cy="1320800"/>
+          </a:xfrm>
+        </p:spPr>
+        <p:txBody>
+          <a:bodyPr>
+            <a:normAutofit fontScale="90000"/>
+          </a:bodyPr>
+          <a:lstStyle/>
+          <a:p>
+            <a:r>
+              <a:rPr lang="en-CA" dirty="0"/>
+              <a:t>5 Initial Test Cases </a:t>
+            </a:r>
+            <a:r>
+              <a:rPr lang="en-CA"/>
+              <a:t>for Testing </a:t>
+            </a:r>
+            <a:r>
+              <a:rPr lang="en-CA" dirty="0"/>
+              <a:t>(needs NEO Debugger)</a:t>
+            </a:r>
+            <a:br>
+              <a:rPr lang="en-CA" dirty="0"/>
+            </a:br>
+            <a:r>
+              <a:rPr lang="en-CA" sz="2000" dirty="0"/>
+              <a:t>https://github.com/mwherman2000/neo-npcc2-python/</a:t>
+            </a:r>
+            <a:br>
+              <a:rPr lang="en-CA" sz="2000" dirty="0"/>
+            </a:br>
+            <a:r>
+              <a:rPr lang="en-CA" sz="2000" dirty="0"/>
+              <a:t>blob/master/NPC.mwherman2000.NEP5TokenPython/</a:t>
+            </a:r>
+            <a:br>
+              <a:rPr lang="en-CA" sz="2000" dirty="0"/>
+            </a:br>
+            <a:r>
+              <a:rPr lang="en-CA" sz="2000" dirty="0"/>
+              <a:t>NPC.mwherman2000.NEP5Token.Contract/Contract1.cs</a:t>
+            </a:r>
+          </a:p>
+        </p:txBody>
+      </p:sp>
+      <p:sp>
+        <p:nvSpPr>
+          <p:cNvPr id="3" name="Date Placeholder 2">
+            <a:extLst>
+              <a:ext uri="{FF2B5EF4-FFF2-40B4-BE49-F238E27FC236}">
+                <a16:creationId xmlns:a16="http://schemas.microsoft.com/office/drawing/2014/main" id="{A2A8C510-FAA4-41BA-B764-9393A7460FF5}"/>
+              </a:ext>
+            </a:extLst>
+          </p:cNvPr>
+          <p:cNvSpPr>
+            <a:spLocks noGrp="1"/>
+          </p:cNvSpPr>
+          <p:nvPr>
+            <p:ph type="dt" sz="half" idx="10"/>
+          </p:nvPr>
+        </p:nvSpPr>
+        <p:spPr/>
+        <p:txBody>
+          <a:bodyPr/>
+          <a:lstStyle/>
+          <a:p>
+            <a:fld id="{44AB30DC-B16B-4253-B4A3-00AC9B41F11F}" type="datetime1">
+              <a:rPr lang="en-US" smtClean="0"/>
+              <a:t>4/14/2018</a:t>
+            </a:fld>
+            <a:endParaRPr lang="en-US" dirty="0"/>
+          </a:p>
+        </p:txBody>
+      </p:sp>
+      <p:sp>
+        <p:nvSpPr>
+          <p:cNvPr id="4" name="Footer Placeholder 3">
+            <a:extLst>
+              <a:ext uri="{FF2B5EF4-FFF2-40B4-BE49-F238E27FC236}">
+                <a16:creationId xmlns:a16="http://schemas.microsoft.com/office/drawing/2014/main" id="{03B83E4C-89D2-4301-9B43-7E749EFBB3D0}"/>
+              </a:ext>
+            </a:extLst>
+          </p:cNvPr>
+          <p:cNvSpPr>
+            <a:spLocks noGrp="1"/>
+          </p:cNvSpPr>
+          <p:nvPr>
+            <p:ph type="ftr" sz="quarter" idx="11"/>
+          </p:nvPr>
+        </p:nvSpPr>
+        <p:spPr/>
+        <p:txBody>
+          <a:bodyPr/>
+          <a:lstStyle/>
+          <a:p>
+            <a:r>
+              <a:rPr lang="en-US"/>
+              <a:t>NEO C# NET Developers Center of Excellence</a:t>
+            </a:r>
+            <a:endParaRPr lang="en-US" dirty="0"/>
+          </a:p>
+        </p:txBody>
+      </p:sp>
+      <p:sp>
+        <p:nvSpPr>
+          <p:cNvPr id="5" name="Slide Number Placeholder 4">
+            <a:extLst>
+              <a:ext uri="{FF2B5EF4-FFF2-40B4-BE49-F238E27FC236}">
+                <a16:creationId xmlns:a16="http://schemas.microsoft.com/office/drawing/2014/main" id="{2B7F6E9C-18DD-466B-A32E-FE3AA14906E9}"/>
+              </a:ext>
+            </a:extLst>
+          </p:cNvPr>
+          <p:cNvSpPr>
+            <a:spLocks noGrp="1"/>
+          </p:cNvSpPr>
+          <p:nvPr>
+            <p:ph type="sldNum" sz="quarter" idx="12"/>
+          </p:nvPr>
+        </p:nvSpPr>
+        <p:spPr/>
+        <p:txBody>
+          <a:bodyPr/>
+          <a:lstStyle/>
+          <a:p>
+            <a:fld id="{D57F1E4F-1CFF-5643-939E-217C01CDF565}" type="slidenum">
+              <a:rPr lang="en-US" smtClean="0"/>
+              <a:pPr/>
+              <a:t>8</a:t>
+            </a:fld>
+            <a:endParaRPr lang="en-US" dirty="0"/>
+          </a:p>
+        </p:txBody>
+      </p:sp>
+      <p:pic>
+        <p:nvPicPr>
+          <p:cNvPr id="7" name="Picture 6">
+            <a:extLst>
+              <a:ext uri="{FF2B5EF4-FFF2-40B4-BE49-F238E27FC236}">
+                <a16:creationId xmlns:a16="http://schemas.microsoft.com/office/drawing/2014/main" id="{7AD83318-ABAF-4061-8E15-84FF88E9884C}"/>
+              </a:ext>
+            </a:extLst>
+          </p:cNvPr>
+          <p:cNvPicPr>
+            <a:picLocks noChangeAspect="1"/>
+          </p:cNvPicPr>
+          <p:nvPr/>
+        </p:nvPicPr>
+        <p:blipFill>
+          <a:blip r:embed="rId2"/>
+          <a:stretch>
+            <a:fillRect/>
+          </a:stretch>
+        </p:blipFill>
+        <p:spPr>
+          <a:xfrm>
+            <a:off x="677334" y="1939544"/>
+            <a:ext cx="9940556" cy="5400000"/>
+          </a:xfrm>
+          <a:prstGeom prst="rect">
+            <a:avLst/>
+          </a:prstGeom>
+          <a:ln>
+            <a:solidFill>
+              <a:schemeClr val="accent1"/>
+            </a:solidFill>
+          </a:ln>
+        </p:spPr>
+      </p:pic>
+    </p:spTree>
+    <p:extLst>
+      <p:ext uri="{BB962C8B-B14F-4D97-AF65-F5344CB8AC3E}">
+        <p14:creationId xmlns:p14="http://schemas.microsoft.com/office/powerpoint/2010/main" val="1486420429"/>
+      </p:ext>
+    </p:extLst>
+  </p:cSld>
+  <p:clrMapOvr>
+    <a:masterClrMapping/>
+  </p:clrMapOvr>
+</p:sld>
+</file>
+
+<file path=ppt/slides/slide9.xml><?xml version="1.0" encoding="utf-8"?>
 <p:sld xmlns:a="http://schemas.openxmlformats.org/drawingml/2006/main" xmlns:r="http://schemas.openxmlformats.org/officeDocument/2006/relationships" xmlns:p="http://schemas.openxmlformats.org/presentationml/2006/main">
   <p:cSld>
     <p:spTree>

--- a/Docs/NEO Persistable Classes 2.1 Platform for Python v0.1.pptx
+++ b/Docs/NEO Persistable Classes 2.1 Platform for Python v0.1.pptx
@@ -5,10 +5,10 @@
     <p:sldMasterId id="2147483648" r:id="rId1"/>
   </p:sldMasterIdLst>
   <p:notesMasterIdLst>
-    <p:notesMasterId r:id="rId11"/>
+    <p:notesMasterId r:id="rId12"/>
   </p:notesMasterIdLst>
   <p:handoutMasterIdLst>
-    <p:handoutMasterId r:id="rId12"/>
+    <p:handoutMasterId r:id="rId13"/>
   </p:handoutMasterIdLst>
   <p:sldIdLst>
     <p:sldId id="325" r:id="rId2"/>
@@ -19,7 +19,8 @@
     <p:sldId id="503" r:id="rId7"/>
     <p:sldId id="504" r:id="rId8"/>
     <p:sldId id="506" r:id="rId9"/>
-    <p:sldId id="263" r:id="rId10"/>
+    <p:sldId id="508" r:id="rId10"/>
+    <p:sldId id="263" r:id="rId11"/>
   </p:sldIdLst>
   <p:sldSz cx="12192000" cy="6858000"/>
   <p:notesSz cx="7315200" cy="9601200"/>
@@ -6584,6 +6585,231 @@
 </p:sld>
 </file>
 
+<file path=ppt/slides/slide10.xml><?xml version="1.0" encoding="utf-8"?>
+<p:sld xmlns:a="http://schemas.openxmlformats.org/drawingml/2006/main" xmlns:r="http://schemas.openxmlformats.org/officeDocument/2006/relationships" xmlns:p="http://schemas.openxmlformats.org/presentationml/2006/main">
+  <p:cSld>
+    <p:spTree>
+      <p:nvGrpSpPr>
+        <p:cNvPr id="1" name=""/>
+        <p:cNvGrpSpPr/>
+        <p:nvPr/>
+      </p:nvGrpSpPr>
+      <p:grpSpPr>
+        <a:xfrm>
+          <a:off x="0" y="0"/>
+          <a:ext cx="0" cy="0"/>
+          <a:chOff x="0" y="0"/>
+          <a:chExt cx="0" cy="0"/>
+        </a:xfrm>
+      </p:grpSpPr>
+      <p:sp>
+        <p:nvSpPr>
+          <p:cNvPr id="2" name="Title 1">
+            <a:extLst>
+              <a:ext uri="{FF2B5EF4-FFF2-40B4-BE49-F238E27FC236}">
+                <a16:creationId xmlns:a16="http://schemas.microsoft.com/office/drawing/2014/main" id="{C5CA6340-7AD9-4C69-810B-BEE639EBFCCD}"/>
+              </a:ext>
+            </a:extLst>
+          </p:cNvPr>
+          <p:cNvSpPr>
+            <a:spLocks noGrp="1"/>
+          </p:cNvSpPr>
+          <p:nvPr>
+            <p:ph type="title"/>
+          </p:nvPr>
+        </p:nvSpPr>
+        <p:spPr>
+          <a:xfrm>
+            <a:off x="350321" y="2710011"/>
+            <a:ext cx="11591743" cy="1826581"/>
+          </a:xfrm>
+        </p:spPr>
+        <p:txBody>
+          <a:bodyPr/>
+          <a:lstStyle/>
+          <a:p>
+            <a:r>
+              <a:rPr lang="en-CA" dirty="0"/>
+              <a:t>Questions?</a:t>
+            </a:r>
+          </a:p>
+        </p:txBody>
+      </p:sp>
+      <p:sp>
+        <p:nvSpPr>
+          <p:cNvPr id="8" name="Text Placeholder 7">
+            <a:extLst>
+              <a:ext uri="{FF2B5EF4-FFF2-40B4-BE49-F238E27FC236}">
+                <a16:creationId xmlns:a16="http://schemas.microsoft.com/office/drawing/2014/main" id="{90B8686A-9EF7-4590-913B-1EDB0CC98E4C}"/>
+              </a:ext>
+            </a:extLst>
+          </p:cNvPr>
+          <p:cNvSpPr>
+            <a:spLocks noGrp="1"/>
+          </p:cNvSpPr>
+          <p:nvPr>
+            <p:ph type="body" idx="1"/>
+          </p:nvPr>
+        </p:nvSpPr>
+        <p:spPr>
+          <a:xfrm>
+            <a:off x="2139696" y="4536592"/>
+            <a:ext cx="10799063" cy="2229968"/>
+          </a:xfrm>
+        </p:spPr>
+        <p:txBody>
+          <a:bodyPr>
+            <a:normAutofit lnSpcReduction="10000"/>
+          </a:bodyPr>
+          <a:lstStyle/>
+          <a:p>
+            <a:r>
+              <a:rPr lang="it-IT" dirty="0"/>
+              <a:t>Michael Herman (Toronto) – Independent Blockchain Developer</a:t>
+            </a:r>
+          </a:p>
+          <a:p>
+            <a:r>
+              <a:rPr lang="it-IT" dirty="0"/>
+              <a:t>G:	</a:t>
+            </a:r>
+            <a:r>
+              <a:rPr lang="it-IT" dirty="0">
+                <a:hlinkClick r:id="rId2"/>
+              </a:rPr>
+              <a:t>https://github.com/mwherman2000/neo-csharpcoe</a:t>
+            </a:r>
+            <a:r>
+              <a:rPr lang="it-IT" dirty="0"/>
+              <a:t> </a:t>
+            </a:r>
+            <a:br>
+              <a:rPr lang="it-IT" dirty="0"/>
+            </a:br>
+            <a:r>
+              <a:rPr lang="it-IT" dirty="0"/>
+              <a:t>E:	</a:t>
+            </a:r>
+            <a:r>
+              <a:rPr lang="it-IT" dirty="0">
+                <a:hlinkClick r:id="rId3"/>
+              </a:rPr>
+              <a:t>mailto:neotoronto@outlook.com</a:t>
+            </a:r>
+            <a:br>
+              <a:rPr lang="it-IT" dirty="0"/>
+            </a:br>
+            <a:r>
+              <a:rPr lang="it-IT" dirty="0"/>
+              <a:t>L:	</a:t>
+            </a:r>
+            <a:r>
+              <a:rPr lang="it-IT" dirty="0">
+                <a:hlinkClick r:id="rId4"/>
+              </a:rPr>
+              <a:t>https://www.linkedin.com/in/mwherman/</a:t>
+            </a:r>
+            <a:r>
+              <a:rPr lang="it-IT" dirty="0"/>
+              <a:t> </a:t>
+            </a:r>
+            <a:br>
+              <a:rPr lang="it-IT" dirty="0"/>
+            </a:br>
+            <a:r>
+              <a:rPr lang="it-IT" dirty="0"/>
+              <a:t>M:	</a:t>
+            </a:r>
+            <a:r>
+              <a:rPr lang="it-IT" dirty="0">
+                <a:hlinkClick r:id="rId5" tooltip="https://www.meetup.com/NEO-Blockchain-Toronto"/>
+              </a:rPr>
+              <a:t>https://www.meetup.com/NEO-Blockchain-Toronto</a:t>
+            </a:r>
+            <a:br>
+              <a:rPr lang="it-IT" dirty="0"/>
+            </a:br>
+            <a:r>
+              <a:rPr lang="it-IT" dirty="0"/>
+              <a:t>F:	</a:t>
+            </a:r>
+            <a:r>
+              <a:rPr lang="it-IT" dirty="0">
+                <a:hlinkClick r:id="rId6" tooltip="https://www.facebook.com/neotoronto/"/>
+              </a:rPr>
+              <a:t>https://www.facebook.com/neotoronto/</a:t>
+            </a:r>
+            <a:br>
+              <a:rPr lang="it-IT" dirty="0"/>
+            </a:br>
+            <a:r>
+              <a:rPr lang="it-IT" dirty="0"/>
+              <a:t>T:	</a:t>
+            </a:r>
+            <a:r>
+              <a:rPr lang="it-IT" dirty="0">
+                <a:hlinkClick r:id="rId7" tooltip="https://www.twitter.com/neotoronto"/>
+              </a:rPr>
+              <a:t>https://www.twitter.com/neotoronto</a:t>
+            </a:r>
+            <a:endParaRPr lang="en-CA" dirty="0"/>
+          </a:p>
+        </p:txBody>
+      </p:sp>
+      <p:pic>
+        <p:nvPicPr>
+          <p:cNvPr id="4" name="Picture 3">
+            <a:extLst>
+              <a:ext uri="{FF2B5EF4-FFF2-40B4-BE49-F238E27FC236}">
+                <a16:creationId xmlns:a16="http://schemas.microsoft.com/office/drawing/2014/main" id="{15FDD4C7-8A2A-4B63-A75C-8061DB470783}"/>
+              </a:ext>
+            </a:extLst>
+          </p:cNvPr>
+          <p:cNvPicPr>
+            <a:picLocks noChangeAspect="1"/>
+          </p:cNvPicPr>
+          <p:nvPr/>
+        </p:nvPicPr>
+        <p:blipFill>
+          <a:blip r:embed="rId8">
+            <a:clrChange>
+              <a:clrFrom>
+                <a:srgbClr val="FFFFFF"/>
+              </a:clrFrom>
+              <a:clrTo>
+                <a:srgbClr val="FFFFFF">
+                  <a:alpha val="0"/>
+                </a:srgbClr>
+              </a:clrTo>
+            </a:clrChange>
+          </a:blip>
+          <a:stretch>
+            <a:fillRect/>
+          </a:stretch>
+        </p:blipFill>
+        <p:spPr>
+          <a:xfrm>
+            <a:off x="533201" y="5075025"/>
+            <a:ext cx="1440000" cy="1440000"/>
+          </a:xfrm>
+          <a:prstGeom prst="rect">
+            <a:avLst/>
+          </a:prstGeom>
+        </p:spPr>
+      </p:pic>
+    </p:spTree>
+    <p:extLst>
+      <p:ext uri="{BB962C8B-B14F-4D97-AF65-F5344CB8AC3E}">
+        <p14:creationId xmlns:p14="http://schemas.microsoft.com/office/powerpoint/2010/main" val="2204975136"/>
+      </p:ext>
+    </p:extLst>
+  </p:cSld>
+  <p:clrMapOvr>
+    <a:masterClrMapping/>
+  </p:clrMapOvr>
+</p:sld>
+</file>
+
 <file path=ppt/slides/slide2.xml><?xml version="1.0" encoding="utf-8"?>
 <p:sld xmlns:a="http://schemas.openxmlformats.org/drawingml/2006/main" xmlns:r="http://schemas.openxmlformats.org/officeDocument/2006/relationships" xmlns:p="http://schemas.openxmlformats.org/presentationml/2006/main">
   <p:cSld>
@@ -8343,15 +8569,7 @@
           <a:p>
             <a:r>
               <a:rPr lang="en-CA" dirty="0"/>
-              <a:t>5 Initial Test Cases </a:t>
-            </a:r>
-            <a:r>
-              <a:rPr lang="en-CA"/>
-              <a:t>for Testing </a:t>
-            </a:r>
-            <a:r>
-              <a:rPr lang="en-CA" dirty="0"/>
-              <a:t>(needs NEO Debugger)</a:t>
+              <a:t>5 Initial Test Cases for Testing (needs NEO Debugger)</a:t>
             </a:r>
             <a:br>
               <a:rPr lang="en-CA" dirty="0"/>
@@ -8535,7 +8753,7 @@
           <p:cNvPr id="2" name="Title 1">
             <a:extLst>
               <a:ext uri="{FF2B5EF4-FFF2-40B4-BE49-F238E27FC236}">
-                <a16:creationId xmlns:a16="http://schemas.microsoft.com/office/drawing/2014/main" id="{C5CA6340-7AD9-4C69-810B-BEE639EBFCCD}"/>
+                <a16:creationId xmlns:a16="http://schemas.microsoft.com/office/drawing/2014/main" id="{D690D432-6166-4D6A-B6CC-4AD6878FD3A5}"/>
               </a:ext>
             </a:extLst>
           </p:cNvPr>
@@ -8548,27 +8766,58 @@
         </p:nvSpPr>
         <p:spPr>
           <a:xfrm>
-            <a:off x="350321" y="2710011"/>
-            <a:ext cx="11591743" cy="1826581"/>
+            <a:off x="677334" y="609600"/>
+            <a:ext cx="11429322" cy="1320800"/>
           </a:xfrm>
         </p:spPr>
         <p:txBody>
-          <a:bodyPr/>
+          <a:bodyPr>
+            <a:normAutofit fontScale="90000"/>
+          </a:bodyPr>
           <a:lstStyle/>
           <a:p>
             <a:r>
               <a:rPr lang="en-CA" dirty="0"/>
-              <a:t>Questions?</a:t>
-            </a:r>
-          </a:p>
-        </p:txBody>
-      </p:sp>
-      <p:sp>
-        <p:nvSpPr>
-          <p:cNvPr id="8" name="Text Placeholder 7">
+              <a:t>5 Initial Test Cases for Testing (F6 in </a:t>
+            </a:r>
+            <a:r>
+              <a:rPr lang="en-CA"/>
+              <a:t>New Debugger</a:t>
+            </a:r>
+            <a:r>
+              <a:rPr lang="en-CA" dirty="0"/>
+              <a:t>)</a:t>
+            </a:r>
+            <a:br>
+              <a:rPr lang="en-CA" dirty="0"/>
+            </a:br>
+            <a:r>
+              <a:rPr lang="en-CA" sz="2000" dirty="0"/>
+              <a:t>https://github.com/mwherman2000/neo-npcc2-python/</a:t>
+            </a:r>
+            <a:br>
+              <a:rPr lang="en-CA" sz="2000" dirty="0"/>
+            </a:br>
+            <a:r>
+              <a:rPr lang="en-CA" sz="2000" dirty="0"/>
+              <a:t>blob/master/NPC.mwherman2000.NEP5TokenPython/</a:t>
+            </a:r>
+            <a:br>
+              <a:rPr lang="en-CA" sz="2000" dirty="0"/>
+            </a:br>
+            <a:r>
+              <a:rPr lang="en-CA" sz="2000" dirty="0"/>
+              <a:t>NPC.mwherman2000.NEP5Token.Contract/Contract1.cs</a:t>
+            </a:r>
+          </a:p>
+        </p:txBody>
+      </p:sp>
+      <p:sp>
+        <p:nvSpPr>
+          <p:cNvPr id="3" name="Date Placeholder 2">
             <a:extLst>
               <a:ext uri="{FF2B5EF4-FFF2-40B4-BE49-F238E27FC236}">
-                <a16:creationId xmlns:a16="http://schemas.microsoft.com/office/drawing/2014/main" id="{90B8686A-9EF7-4590-913B-1EDB0CC98E4C}"/>
+                <a16:creationId xmlns:a16="http://schemas.microsoft.com/office/drawing/2014/main" id="{A2A8C510-FAA4-41BA-B764-9393A7460FF5}"/>
               </a:ext>
             </a:extLst>
           </p:cNvPr>
@@ -8576,120 +8825,87 @@
             <a:spLocks noGrp="1"/>
           </p:cNvSpPr>
           <p:nvPr>
-            <p:ph type="body" idx="1"/>
-          </p:nvPr>
-        </p:nvSpPr>
-        <p:spPr>
-          <a:xfrm>
-            <a:off x="2139696" y="4536592"/>
-            <a:ext cx="10799063" cy="2229968"/>
-          </a:xfrm>
-        </p:spPr>
-        <p:txBody>
-          <a:bodyPr>
-            <a:normAutofit lnSpcReduction="10000"/>
-          </a:bodyPr>
-          <a:lstStyle/>
-          <a:p>
-            <a:r>
-              <a:rPr lang="it-IT" dirty="0"/>
-              <a:t>Michael Herman (Toronto) – Independent Blockchain Developer</a:t>
-            </a:r>
-          </a:p>
-          <a:p>
-            <a:r>
-              <a:rPr lang="it-IT" dirty="0"/>
-              <a:t>G:	</a:t>
-            </a:r>
-            <a:r>
-              <a:rPr lang="it-IT" dirty="0">
-                <a:hlinkClick r:id="rId2"/>
-              </a:rPr>
-              <a:t>https://github.com/mwherman2000/neo-csharpcoe</a:t>
-            </a:r>
-            <a:r>
-              <a:rPr lang="it-IT" dirty="0"/>
-              <a:t> </a:t>
-            </a:r>
-            <a:br>
-              <a:rPr lang="it-IT" dirty="0"/>
-            </a:br>
-            <a:r>
-              <a:rPr lang="it-IT" dirty="0"/>
-              <a:t>E:	</a:t>
-            </a:r>
-            <a:r>
-              <a:rPr lang="it-IT" dirty="0">
-                <a:hlinkClick r:id="rId3"/>
-              </a:rPr>
-              <a:t>mailto:neotoronto@outlook.com</a:t>
-            </a:r>
-            <a:br>
-              <a:rPr lang="it-IT" dirty="0"/>
-            </a:br>
-            <a:r>
-              <a:rPr lang="it-IT" dirty="0"/>
-              <a:t>L:	</a:t>
-            </a:r>
-            <a:r>
-              <a:rPr lang="it-IT" dirty="0">
-                <a:hlinkClick r:id="rId4"/>
-              </a:rPr>
-              <a:t>https://www.linkedin.com/in/mwherman/</a:t>
-            </a:r>
-            <a:r>
-              <a:rPr lang="it-IT" dirty="0"/>
-              <a:t> </a:t>
-            </a:r>
-            <a:br>
-              <a:rPr lang="it-IT" dirty="0"/>
-            </a:br>
-            <a:r>
-              <a:rPr lang="it-IT" dirty="0"/>
-              <a:t>M:	</a:t>
-            </a:r>
-            <a:r>
-              <a:rPr lang="it-IT" dirty="0">
-                <a:hlinkClick r:id="rId5" tooltip="https://www.meetup.com/NEO-Blockchain-Toronto"/>
-              </a:rPr>
-              <a:t>https://www.meetup.com/NEO-Blockchain-Toronto</a:t>
-            </a:r>
-            <a:br>
-              <a:rPr lang="it-IT" dirty="0"/>
-            </a:br>
-            <a:r>
-              <a:rPr lang="it-IT" dirty="0"/>
-              <a:t>F:	</a:t>
-            </a:r>
-            <a:r>
-              <a:rPr lang="it-IT" dirty="0">
-                <a:hlinkClick r:id="rId6" tooltip="https://www.facebook.com/neotoronto/"/>
-              </a:rPr>
-              <a:t>https://www.facebook.com/neotoronto/</a:t>
-            </a:r>
-            <a:br>
-              <a:rPr lang="it-IT" dirty="0"/>
-            </a:br>
-            <a:r>
-              <a:rPr lang="it-IT" dirty="0"/>
-              <a:t>T:	</a:t>
-            </a:r>
-            <a:r>
-              <a:rPr lang="it-IT" dirty="0">
-                <a:hlinkClick r:id="rId7" tooltip="https://www.twitter.com/neotoronto"/>
-              </a:rPr>
-              <a:t>https://www.twitter.com/neotoronto</a:t>
-            </a:r>
-            <a:endParaRPr lang="en-CA" dirty="0"/>
+            <p:ph type="dt" sz="half" idx="10"/>
+          </p:nvPr>
+        </p:nvSpPr>
+        <p:spPr/>
+        <p:txBody>
+          <a:bodyPr/>
+          <a:lstStyle/>
+          <a:p>
+            <a:fld id="{44AB30DC-B16B-4253-B4A3-00AC9B41F11F}" type="datetime1">
+              <a:rPr lang="en-US" smtClean="0"/>
+              <a:t>4/14/2018</a:t>
+            </a:fld>
+            <a:endParaRPr lang="en-US" dirty="0"/>
+          </a:p>
+        </p:txBody>
+      </p:sp>
+      <p:sp>
+        <p:nvSpPr>
+          <p:cNvPr id="4" name="Footer Placeholder 3">
+            <a:extLst>
+              <a:ext uri="{FF2B5EF4-FFF2-40B4-BE49-F238E27FC236}">
+                <a16:creationId xmlns:a16="http://schemas.microsoft.com/office/drawing/2014/main" id="{03B83E4C-89D2-4301-9B43-7E749EFBB3D0}"/>
+              </a:ext>
+            </a:extLst>
+          </p:cNvPr>
+          <p:cNvSpPr>
+            <a:spLocks noGrp="1"/>
+          </p:cNvSpPr>
+          <p:nvPr>
+            <p:ph type="ftr" sz="quarter" idx="11"/>
+          </p:nvPr>
+        </p:nvSpPr>
+        <p:spPr/>
+        <p:txBody>
+          <a:bodyPr/>
+          <a:lstStyle/>
+          <a:p>
+            <a:r>
+              <a:rPr lang="en-US"/>
+              <a:t>NEO C# NET Developers Center of Excellence</a:t>
+            </a:r>
+            <a:endParaRPr lang="en-US" dirty="0"/>
+          </a:p>
+        </p:txBody>
+      </p:sp>
+      <p:sp>
+        <p:nvSpPr>
+          <p:cNvPr id="5" name="Slide Number Placeholder 4">
+            <a:extLst>
+              <a:ext uri="{FF2B5EF4-FFF2-40B4-BE49-F238E27FC236}">
+                <a16:creationId xmlns:a16="http://schemas.microsoft.com/office/drawing/2014/main" id="{2B7F6E9C-18DD-466B-A32E-FE3AA14906E9}"/>
+              </a:ext>
+            </a:extLst>
+          </p:cNvPr>
+          <p:cNvSpPr>
+            <a:spLocks noGrp="1"/>
+          </p:cNvSpPr>
+          <p:nvPr>
+            <p:ph type="sldNum" sz="quarter" idx="12"/>
+          </p:nvPr>
+        </p:nvSpPr>
+        <p:spPr/>
+        <p:txBody>
+          <a:bodyPr/>
+          <a:lstStyle/>
+          <a:p>
+            <a:fld id="{D57F1E4F-1CFF-5643-939E-217C01CDF565}" type="slidenum">
+              <a:rPr lang="en-US" smtClean="0"/>
+              <a:pPr/>
+              <a:t>9</a:t>
+            </a:fld>
+            <a:endParaRPr lang="en-US" dirty="0"/>
           </a:p>
         </p:txBody>
       </p:sp>
       <p:pic>
         <p:nvPicPr>
-          <p:cNvPr id="4" name="Picture 3">
+          <p:cNvPr id="8" name="Picture 7">
             <a:extLst>
               <a:ext uri="{FF2B5EF4-FFF2-40B4-BE49-F238E27FC236}">
-                <a16:creationId xmlns:a16="http://schemas.microsoft.com/office/drawing/2014/main" id="{15FDD4C7-8A2A-4B63-A75C-8061DB470783}"/>
+                <a16:creationId xmlns:a16="http://schemas.microsoft.com/office/drawing/2014/main" id="{627325C2-C2F5-4376-849D-D658380DC2A2}"/>
               </a:ext>
             </a:extLst>
           </p:cNvPr>
@@ -8699,26 +8915,15 @@
           <p:nvPr/>
         </p:nvPicPr>
         <p:blipFill>
-          <a:blip r:embed="rId8">
-            <a:clrChange>
-              <a:clrFrom>
-                <a:srgbClr val="FFFFFF"/>
-              </a:clrFrom>
-              <a:clrTo>
-                <a:srgbClr val="FFFFFF">
-                  <a:alpha val="0"/>
-                </a:srgbClr>
-              </a:clrTo>
-            </a:clrChange>
-          </a:blip>
+          <a:blip r:embed="rId2"/>
           <a:stretch>
             <a:fillRect/>
           </a:stretch>
         </p:blipFill>
         <p:spPr>
           <a:xfrm>
-            <a:off x="533201" y="5075025"/>
-            <a:ext cx="1440000" cy="1440000"/>
+            <a:off x="677334" y="2006699"/>
+            <a:ext cx="11287125" cy="4381500"/>
           </a:xfrm>
           <a:prstGeom prst="rect">
             <a:avLst/>
@@ -8728,7 +8933,7 @@
     </p:spTree>
     <p:extLst>
       <p:ext uri="{BB962C8B-B14F-4D97-AF65-F5344CB8AC3E}">
-        <p14:creationId xmlns:p14="http://schemas.microsoft.com/office/powerpoint/2010/main" val="2204975136"/>
+        <p14:creationId xmlns:p14="http://schemas.microsoft.com/office/powerpoint/2010/main" val="4077645273"/>
       </p:ext>
     </p:extLst>
   </p:cSld>
